--- a/code note/img/pointnet_utils.assets/示意图.pptx
+++ b/code note/img/pointnet_utils.assets/示意图.pptx
@@ -7,6 +7,7 @@
   <p:sldIdLst>
     <p:sldId id="256" r:id="rId2"/>
     <p:sldId id="257" r:id="rId3"/>
+    <p:sldId id="258" r:id="rId4"/>
   </p:sldIdLst>
   <p:sldSz cx="12192000" cy="6858000"/>
   <p:notesSz cx="6858000" cy="9144000"/>
@@ -105,6 +106,11 @@
       </a:defRPr>
     </a:lvl9pPr>
   </p:defaultTextStyle>
+  <p:extLst>
+    <p:ext uri="{EFAFB233-063F-42B5-8137-9DF3F51BA10A}">
+      <p15:sldGuideLst xmlns:p15="http://schemas.microsoft.com/office/powerpoint/2012/main"/>
+    </p:ext>
+  </p:extLst>
 </p:presentation>
 </file>
 
@@ -255,7 +261,7 @@
           <a:p>
             <a:fld id="{F85CD54A-558C-431A-B5FE-0EA808A93764}" type="datetimeFigureOut">
               <a:rPr lang="zh-CN" altLang="en-US" smtClean="0"/>
-              <a:t>2021/9/7</a:t>
+              <a:t>2021/9/17</a:t>
             </a:fld>
             <a:endParaRPr lang="zh-CN" altLang="en-US"/>
           </a:p>
@@ -453,7 +459,7 @@
           <a:p>
             <a:fld id="{F85CD54A-558C-431A-B5FE-0EA808A93764}" type="datetimeFigureOut">
               <a:rPr lang="zh-CN" altLang="en-US" smtClean="0"/>
-              <a:t>2021/9/7</a:t>
+              <a:t>2021/9/17</a:t>
             </a:fld>
             <a:endParaRPr lang="zh-CN" altLang="en-US"/>
           </a:p>
@@ -661,7 +667,7 @@
           <a:p>
             <a:fld id="{F85CD54A-558C-431A-B5FE-0EA808A93764}" type="datetimeFigureOut">
               <a:rPr lang="zh-CN" altLang="en-US" smtClean="0"/>
-              <a:t>2021/9/7</a:t>
+              <a:t>2021/9/17</a:t>
             </a:fld>
             <a:endParaRPr lang="zh-CN" altLang="en-US"/>
           </a:p>
@@ -859,7 +865,7 @@
           <a:p>
             <a:fld id="{F85CD54A-558C-431A-B5FE-0EA808A93764}" type="datetimeFigureOut">
               <a:rPr lang="zh-CN" altLang="en-US" smtClean="0"/>
-              <a:t>2021/9/7</a:t>
+              <a:t>2021/9/17</a:t>
             </a:fld>
             <a:endParaRPr lang="zh-CN" altLang="en-US"/>
           </a:p>
@@ -1134,7 +1140,7 @@
           <a:p>
             <a:fld id="{F85CD54A-558C-431A-B5FE-0EA808A93764}" type="datetimeFigureOut">
               <a:rPr lang="zh-CN" altLang="en-US" smtClean="0"/>
-              <a:t>2021/9/7</a:t>
+              <a:t>2021/9/17</a:t>
             </a:fld>
             <a:endParaRPr lang="zh-CN" altLang="en-US"/>
           </a:p>
@@ -1399,7 +1405,7 @@
           <a:p>
             <a:fld id="{F85CD54A-558C-431A-B5FE-0EA808A93764}" type="datetimeFigureOut">
               <a:rPr lang="zh-CN" altLang="en-US" smtClean="0"/>
-              <a:t>2021/9/7</a:t>
+              <a:t>2021/9/17</a:t>
             </a:fld>
             <a:endParaRPr lang="zh-CN" altLang="en-US"/>
           </a:p>
@@ -1811,7 +1817,7 @@
           <a:p>
             <a:fld id="{F85CD54A-558C-431A-B5FE-0EA808A93764}" type="datetimeFigureOut">
               <a:rPr lang="zh-CN" altLang="en-US" smtClean="0"/>
-              <a:t>2021/9/7</a:t>
+              <a:t>2021/9/17</a:t>
             </a:fld>
             <a:endParaRPr lang="zh-CN" altLang="en-US"/>
           </a:p>
@@ -1952,7 +1958,7 @@
           <a:p>
             <a:fld id="{F85CD54A-558C-431A-B5FE-0EA808A93764}" type="datetimeFigureOut">
               <a:rPr lang="zh-CN" altLang="en-US" smtClean="0"/>
-              <a:t>2021/9/7</a:t>
+              <a:t>2021/9/17</a:t>
             </a:fld>
             <a:endParaRPr lang="zh-CN" altLang="en-US"/>
           </a:p>
@@ -2065,7 +2071,7 @@
           <a:p>
             <a:fld id="{F85CD54A-558C-431A-B5FE-0EA808A93764}" type="datetimeFigureOut">
               <a:rPr lang="zh-CN" altLang="en-US" smtClean="0"/>
-              <a:t>2021/9/7</a:t>
+              <a:t>2021/9/17</a:t>
             </a:fld>
             <a:endParaRPr lang="zh-CN" altLang="en-US"/>
           </a:p>
@@ -2376,7 +2382,7 @@
           <a:p>
             <a:fld id="{F85CD54A-558C-431A-B5FE-0EA808A93764}" type="datetimeFigureOut">
               <a:rPr lang="zh-CN" altLang="en-US" smtClean="0"/>
-              <a:t>2021/9/7</a:t>
+              <a:t>2021/9/17</a:t>
             </a:fld>
             <a:endParaRPr lang="zh-CN" altLang="en-US"/>
           </a:p>
@@ -2664,7 +2670,7 @@
           <a:p>
             <a:fld id="{F85CD54A-558C-431A-B5FE-0EA808A93764}" type="datetimeFigureOut">
               <a:rPr lang="zh-CN" altLang="en-US" smtClean="0"/>
-              <a:t>2021/9/7</a:t>
+              <a:t>2021/9/17</a:t>
             </a:fld>
             <a:endParaRPr lang="zh-CN" altLang="en-US"/>
           </a:p>
@@ -2905,7 +2911,7 @@
           <a:p>
             <a:fld id="{F85CD54A-558C-431A-B5FE-0EA808A93764}" type="datetimeFigureOut">
               <a:rPr lang="zh-CN" altLang="en-US" smtClean="0"/>
-              <a:t>2021/9/7</a:t>
+              <a:t>2021/9/17</a:t>
             </a:fld>
             <a:endParaRPr lang="zh-CN" altLang="en-US"/>
           </a:p>
@@ -6916,6 +6922,758 @@
     <p:extLst>
       <p:ext uri="{BB962C8B-B14F-4D97-AF65-F5344CB8AC3E}">
         <p14:creationId xmlns:p14="http://schemas.microsoft.com/office/powerpoint/2010/main" val="1479830059"/>
+      </p:ext>
+    </p:extLst>
+  </p:cSld>
+  <p:clrMapOvr>
+    <a:masterClrMapping/>
+  </p:clrMapOvr>
+</p:sld>
+</file>
+
+<file path=ppt/slides/slide3.xml><?xml version="1.0" encoding="utf-8"?>
+<p:sld xmlns:a="http://schemas.openxmlformats.org/drawingml/2006/main" xmlns:r="http://schemas.openxmlformats.org/officeDocument/2006/relationships" xmlns:p="http://schemas.openxmlformats.org/presentationml/2006/main">
+  <p:cSld>
+    <p:spTree>
+      <p:nvGrpSpPr>
+        <p:cNvPr id="1" name=""/>
+        <p:cNvGrpSpPr/>
+        <p:nvPr/>
+      </p:nvGrpSpPr>
+      <p:grpSpPr>
+        <a:xfrm>
+          <a:off x="0" y="0"/>
+          <a:ext cx="0" cy="0"/>
+          <a:chOff x="0" y="0"/>
+          <a:chExt cx="0" cy="0"/>
+        </a:xfrm>
+      </p:grpSpPr>
+      <p:sp>
+        <p:nvSpPr>
+          <p:cNvPr id="4" name="矩形 3">
+            <a:extLst>
+              <a:ext uri="{FF2B5EF4-FFF2-40B4-BE49-F238E27FC236}">
+                <a16:creationId xmlns:a16="http://schemas.microsoft.com/office/drawing/2014/main" id="{ABF21302-CCFD-497B-B5D0-EE6545924DF9}"/>
+              </a:ext>
+            </a:extLst>
+          </p:cNvPr>
+          <p:cNvSpPr/>
+          <p:nvPr/>
+        </p:nvSpPr>
+        <p:spPr>
+          <a:xfrm>
+            <a:off x="1000398" y="1480578"/>
+            <a:ext cx="1553428" cy="2592280"/>
+          </a:xfrm>
+          <a:prstGeom prst="rect">
+            <a:avLst/>
+          </a:prstGeom>
+          <a:solidFill>
+            <a:schemeClr val="accent2">
+              <a:alpha val="20000"/>
+            </a:schemeClr>
+          </a:solidFill>
+          <a:ln>
+            <a:noFill/>
+          </a:ln>
+        </p:spPr>
+        <p:style>
+          <a:lnRef idx="2">
+            <a:schemeClr val="accent1">
+              <a:shade val="50000"/>
+            </a:schemeClr>
+          </a:lnRef>
+          <a:fillRef idx="1">
+            <a:schemeClr val="accent1"/>
+          </a:fillRef>
+          <a:effectRef idx="0">
+            <a:schemeClr val="accent1"/>
+          </a:effectRef>
+          <a:fontRef idx="minor">
+            <a:schemeClr val="lt1"/>
+          </a:fontRef>
+        </p:style>
+        <p:txBody>
+          <a:bodyPr rtlCol="0" anchor="ctr"/>
+          <a:lstStyle/>
+          <a:p>
+            <a:pPr algn="ctr"/>
+            <a:endParaRPr lang="zh-CN" altLang="en-US"/>
+          </a:p>
+        </p:txBody>
+      </p:sp>
+      <p:sp>
+        <p:nvSpPr>
+          <p:cNvPr id="6" name="矩形 5">
+            <a:extLst>
+              <a:ext uri="{FF2B5EF4-FFF2-40B4-BE49-F238E27FC236}">
+                <a16:creationId xmlns:a16="http://schemas.microsoft.com/office/drawing/2014/main" id="{59ED7483-3A1A-4D5B-B148-7871E73612CB}"/>
+              </a:ext>
+            </a:extLst>
+          </p:cNvPr>
+          <p:cNvSpPr/>
+          <p:nvPr/>
+        </p:nvSpPr>
+        <p:spPr>
+          <a:xfrm>
+            <a:off x="807217" y="1692835"/>
+            <a:ext cx="1553428" cy="2592280"/>
+          </a:xfrm>
+          <a:prstGeom prst="rect">
+            <a:avLst/>
+          </a:prstGeom>
+          <a:solidFill>
+            <a:schemeClr val="accent2">
+              <a:alpha val="40000"/>
+            </a:schemeClr>
+          </a:solidFill>
+          <a:ln>
+            <a:noFill/>
+          </a:ln>
+        </p:spPr>
+        <p:style>
+          <a:lnRef idx="2">
+            <a:schemeClr val="accent1">
+              <a:shade val="50000"/>
+            </a:schemeClr>
+          </a:lnRef>
+          <a:fillRef idx="1">
+            <a:schemeClr val="accent1"/>
+          </a:fillRef>
+          <a:effectRef idx="0">
+            <a:schemeClr val="accent1"/>
+          </a:effectRef>
+          <a:fontRef idx="minor">
+            <a:schemeClr val="lt1"/>
+          </a:fontRef>
+        </p:style>
+        <p:txBody>
+          <a:bodyPr rtlCol="0" anchor="ctr"/>
+          <a:lstStyle/>
+          <a:p>
+            <a:pPr algn="ctr"/>
+            <a:endParaRPr lang="zh-CN" altLang="en-US"/>
+          </a:p>
+        </p:txBody>
+      </p:sp>
+      <p:sp>
+        <p:nvSpPr>
+          <p:cNvPr id="8" name="矩形 7">
+            <a:extLst>
+              <a:ext uri="{FF2B5EF4-FFF2-40B4-BE49-F238E27FC236}">
+                <a16:creationId xmlns:a16="http://schemas.microsoft.com/office/drawing/2014/main" id="{EADCA221-7A36-4975-A2BD-529A97E6E72F}"/>
+              </a:ext>
+            </a:extLst>
+          </p:cNvPr>
+          <p:cNvSpPr/>
+          <p:nvPr/>
+        </p:nvSpPr>
+        <p:spPr>
+          <a:xfrm>
+            <a:off x="579737" y="1905092"/>
+            <a:ext cx="1553428" cy="2592280"/>
+          </a:xfrm>
+          <a:prstGeom prst="rect">
+            <a:avLst/>
+          </a:prstGeom>
+          <a:solidFill>
+            <a:schemeClr val="accent2">
+              <a:alpha val="79000"/>
+            </a:schemeClr>
+          </a:solidFill>
+          <a:ln>
+            <a:noFill/>
+          </a:ln>
+        </p:spPr>
+        <p:style>
+          <a:lnRef idx="2">
+            <a:schemeClr val="accent1">
+              <a:shade val="50000"/>
+            </a:schemeClr>
+          </a:lnRef>
+          <a:fillRef idx="1">
+            <a:schemeClr val="accent1"/>
+          </a:fillRef>
+          <a:effectRef idx="0">
+            <a:schemeClr val="accent1"/>
+          </a:effectRef>
+          <a:fontRef idx="minor">
+            <a:schemeClr val="lt1"/>
+          </a:fontRef>
+        </p:style>
+        <p:txBody>
+          <a:bodyPr rtlCol="0" anchor="ctr"/>
+          <a:lstStyle/>
+          <a:p>
+            <a:pPr algn="ctr"/>
+            <a:endParaRPr lang="zh-CN" altLang="en-US"/>
+          </a:p>
+        </p:txBody>
+      </p:sp>
+      <p:sp>
+        <p:nvSpPr>
+          <p:cNvPr id="10" name="文本框 9">
+            <a:extLst>
+              <a:ext uri="{FF2B5EF4-FFF2-40B4-BE49-F238E27FC236}">
+                <a16:creationId xmlns:a16="http://schemas.microsoft.com/office/drawing/2014/main" id="{700322F6-ED3D-48BB-B334-145FD0A8B509}"/>
+              </a:ext>
+            </a:extLst>
+          </p:cNvPr>
+          <p:cNvSpPr txBox="1"/>
+          <p:nvPr/>
+        </p:nvSpPr>
+        <p:spPr>
+          <a:xfrm>
+            <a:off x="610670" y="3016566"/>
+            <a:ext cx="352982" cy="369332"/>
+          </a:xfrm>
+          <a:prstGeom prst="rect">
+            <a:avLst/>
+          </a:prstGeom>
+          <a:solidFill>
+            <a:schemeClr val="accent6">
+              <a:lumMod val="20000"/>
+              <a:lumOff val="80000"/>
+            </a:schemeClr>
+          </a:solidFill>
+          <a:ln>
+            <a:noFill/>
+          </a:ln>
+        </p:spPr>
+        <p:txBody>
+          <a:bodyPr wrap="square" rtlCol="0">
+            <a:spAutoFit/>
+          </a:bodyPr>
+          <a:lstStyle>
+            <a:defPPr>
+              <a:defRPr lang="zh-CN"/>
+            </a:defPPr>
+          </a:lstStyle>
+          <a:p>
+            <a:r>
+              <a:rPr lang="en-US" altLang="zh-CN" dirty="0"/>
+              <a:t>N</a:t>
+            </a:r>
+            <a:endParaRPr lang="zh-CN" altLang="en-US" dirty="0"/>
+          </a:p>
+        </p:txBody>
+      </p:sp>
+      <p:sp>
+        <p:nvSpPr>
+          <p:cNvPr id="11" name="文本框 10">
+            <a:extLst>
+              <a:ext uri="{FF2B5EF4-FFF2-40B4-BE49-F238E27FC236}">
+                <a16:creationId xmlns:a16="http://schemas.microsoft.com/office/drawing/2014/main" id="{BCBF2C37-5CD5-4F32-B7C9-6C64FA54BEEF}"/>
+              </a:ext>
+            </a:extLst>
+          </p:cNvPr>
+          <p:cNvSpPr txBox="1"/>
+          <p:nvPr/>
+        </p:nvSpPr>
+        <p:spPr>
+          <a:xfrm>
+            <a:off x="978338" y="1921028"/>
+            <a:ext cx="756225" cy="369332"/>
+          </a:xfrm>
+          <a:prstGeom prst="rect">
+            <a:avLst/>
+          </a:prstGeom>
+          <a:solidFill>
+            <a:schemeClr val="accent6">
+              <a:lumMod val="20000"/>
+              <a:lumOff val="80000"/>
+            </a:schemeClr>
+          </a:solidFill>
+          <a:ln>
+            <a:noFill/>
+          </a:ln>
+        </p:spPr>
+        <p:txBody>
+          <a:bodyPr wrap="square" rtlCol="0">
+            <a:spAutoFit/>
+          </a:bodyPr>
+          <a:lstStyle>
+            <a:defPPr>
+              <a:defRPr lang="zh-CN"/>
+            </a:defPPr>
+          </a:lstStyle>
+          <a:p>
+            <a:r>
+              <a:rPr lang="en-US" altLang="zh-CN" dirty="0"/>
+              <a:t>1024</a:t>
+            </a:r>
+            <a:endParaRPr lang="zh-CN" altLang="en-US" dirty="0"/>
+          </a:p>
+        </p:txBody>
+      </p:sp>
+      <p:sp>
+        <p:nvSpPr>
+          <p:cNvPr id="13" name="文本框 12">
+            <a:extLst>
+              <a:ext uri="{FF2B5EF4-FFF2-40B4-BE49-F238E27FC236}">
+                <a16:creationId xmlns:a16="http://schemas.microsoft.com/office/drawing/2014/main" id="{9058AABB-1221-4978-BF99-7EF4F888B994}"/>
+              </a:ext>
+            </a:extLst>
+          </p:cNvPr>
+          <p:cNvSpPr txBox="1"/>
+          <p:nvPr/>
+        </p:nvSpPr>
+        <p:spPr>
+          <a:xfrm rot="18713932">
+            <a:off x="1539276" y="1077222"/>
+            <a:ext cx="508473" cy="369332"/>
+          </a:xfrm>
+          <a:prstGeom prst="rect">
+            <a:avLst/>
+          </a:prstGeom>
+          <a:noFill/>
+        </p:spPr>
+        <p:txBody>
+          <a:bodyPr wrap="none" rtlCol="0">
+            <a:spAutoFit/>
+          </a:bodyPr>
+          <a:lstStyle/>
+          <a:p>
+            <a:r>
+              <a:rPr lang="en-US" altLang="zh-CN" dirty="0"/>
+              <a:t>……</a:t>
+            </a:r>
+            <a:endParaRPr lang="zh-CN" altLang="en-US" dirty="0"/>
+          </a:p>
+        </p:txBody>
+      </p:sp>
+      <p:sp>
+        <p:nvSpPr>
+          <p:cNvPr id="14" name="文本框 13">
+            <a:extLst>
+              <a:ext uri="{FF2B5EF4-FFF2-40B4-BE49-F238E27FC236}">
+                <a16:creationId xmlns:a16="http://schemas.microsoft.com/office/drawing/2014/main" id="{CBAF25FB-21EF-491D-9B81-BE94FA972FB5}"/>
+              </a:ext>
+            </a:extLst>
+          </p:cNvPr>
+          <p:cNvSpPr txBox="1"/>
+          <p:nvPr/>
+        </p:nvSpPr>
+        <p:spPr>
+          <a:xfrm>
+            <a:off x="1813622" y="709345"/>
+            <a:ext cx="312906" cy="369332"/>
+          </a:xfrm>
+          <a:prstGeom prst="rect">
+            <a:avLst/>
+          </a:prstGeom>
+          <a:solidFill>
+            <a:schemeClr val="accent6">
+              <a:lumMod val="20000"/>
+              <a:lumOff val="80000"/>
+            </a:schemeClr>
+          </a:solidFill>
+          <a:ln>
+            <a:noFill/>
+          </a:ln>
+        </p:spPr>
+        <p:txBody>
+          <a:bodyPr wrap="square" rtlCol="0">
+            <a:spAutoFit/>
+          </a:bodyPr>
+          <a:lstStyle/>
+          <a:p>
+            <a:r>
+              <a:rPr lang="en-US" altLang="zh-CN" dirty="0"/>
+              <a:t>B</a:t>
+            </a:r>
+            <a:endParaRPr lang="zh-CN" altLang="en-US" dirty="0"/>
+          </a:p>
+        </p:txBody>
+      </p:sp>
+      <p:cxnSp>
+        <p:nvCxnSpPr>
+          <p:cNvPr id="15" name="直接箭头连接符 14">
+            <a:extLst>
+              <a:ext uri="{FF2B5EF4-FFF2-40B4-BE49-F238E27FC236}">
+                <a16:creationId xmlns:a16="http://schemas.microsoft.com/office/drawing/2014/main" id="{4F259D8E-ADF7-4FB4-B3D9-5CF7BF0DF79A}"/>
+              </a:ext>
+            </a:extLst>
+          </p:cNvPr>
+          <p:cNvCxnSpPr>
+            <a:cxnSpLocks/>
+          </p:cNvCxnSpPr>
+          <p:nvPr/>
+        </p:nvCxnSpPr>
+        <p:spPr>
+          <a:xfrm>
+            <a:off x="2553826" y="3012762"/>
+            <a:ext cx="889170" cy="0"/>
+          </a:xfrm>
+          <a:prstGeom prst="straightConnector1">
+            <a:avLst/>
+          </a:prstGeom>
+          <a:ln w="76200">
+            <a:solidFill>
+              <a:schemeClr val="bg1">
+                <a:lumMod val="50000"/>
+              </a:schemeClr>
+            </a:solidFill>
+            <a:tailEnd type="triangle"/>
+          </a:ln>
+        </p:spPr>
+        <p:style>
+          <a:lnRef idx="1">
+            <a:schemeClr val="accent1"/>
+          </a:lnRef>
+          <a:fillRef idx="0">
+            <a:schemeClr val="accent1"/>
+          </a:fillRef>
+          <a:effectRef idx="0">
+            <a:schemeClr val="accent1"/>
+          </a:effectRef>
+          <a:fontRef idx="minor">
+            <a:schemeClr val="tx1"/>
+          </a:fontRef>
+        </p:style>
+      </p:cxnSp>
+      <p:sp>
+        <p:nvSpPr>
+          <p:cNvPr id="19" name="矩形 18">
+            <a:extLst>
+              <a:ext uri="{FF2B5EF4-FFF2-40B4-BE49-F238E27FC236}">
+                <a16:creationId xmlns:a16="http://schemas.microsoft.com/office/drawing/2014/main" id="{6C3829FE-2D26-406C-828B-7AC8B29BCE3D}"/>
+              </a:ext>
+            </a:extLst>
+          </p:cNvPr>
+          <p:cNvSpPr/>
+          <p:nvPr/>
+        </p:nvSpPr>
+        <p:spPr>
+          <a:xfrm>
+            <a:off x="4340757" y="2403582"/>
+            <a:ext cx="1553428" cy="369332"/>
+          </a:xfrm>
+          <a:prstGeom prst="rect">
+            <a:avLst/>
+          </a:prstGeom>
+          <a:solidFill>
+            <a:schemeClr val="bg1">
+              <a:lumMod val="85000"/>
+            </a:schemeClr>
+          </a:solidFill>
+          <a:ln>
+            <a:noFill/>
+          </a:ln>
+        </p:spPr>
+        <p:style>
+          <a:lnRef idx="2">
+            <a:schemeClr val="accent1">
+              <a:shade val="50000"/>
+            </a:schemeClr>
+          </a:lnRef>
+          <a:fillRef idx="1">
+            <a:schemeClr val="accent1"/>
+          </a:fillRef>
+          <a:effectRef idx="0">
+            <a:schemeClr val="accent1"/>
+          </a:effectRef>
+          <a:fontRef idx="minor">
+            <a:schemeClr val="lt1"/>
+          </a:fontRef>
+        </p:style>
+        <p:txBody>
+          <a:bodyPr rtlCol="0" anchor="ctr"/>
+          <a:lstStyle/>
+          <a:p>
+            <a:pPr algn="ctr"/>
+            <a:endParaRPr lang="zh-CN" altLang="en-US"/>
+          </a:p>
+        </p:txBody>
+      </p:sp>
+      <p:sp>
+        <p:nvSpPr>
+          <p:cNvPr id="20" name="矩形 19">
+            <a:extLst>
+              <a:ext uri="{FF2B5EF4-FFF2-40B4-BE49-F238E27FC236}">
+                <a16:creationId xmlns:a16="http://schemas.microsoft.com/office/drawing/2014/main" id="{72F193C6-E5DC-48BE-BF1A-E337720F6AF8}"/>
+              </a:ext>
+            </a:extLst>
+          </p:cNvPr>
+          <p:cNvSpPr/>
+          <p:nvPr/>
+        </p:nvSpPr>
+        <p:spPr>
+          <a:xfrm>
+            <a:off x="4147576" y="2615839"/>
+            <a:ext cx="1553428" cy="369332"/>
+          </a:xfrm>
+          <a:prstGeom prst="rect">
+            <a:avLst/>
+          </a:prstGeom>
+          <a:solidFill>
+            <a:schemeClr val="bg1">
+              <a:lumMod val="75000"/>
+            </a:schemeClr>
+          </a:solidFill>
+          <a:ln>
+            <a:noFill/>
+          </a:ln>
+        </p:spPr>
+        <p:style>
+          <a:lnRef idx="2">
+            <a:schemeClr val="accent1">
+              <a:shade val="50000"/>
+            </a:schemeClr>
+          </a:lnRef>
+          <a:fillRef idx="1">
+            <a:schemeClr val="accent1"/>
+          </a:fillRef>
+          <a:effectRef idx="0">
+            <a:schemeClr val="accent1"/>
+          </a:effectRef>
+          <a:fontRef idx="minor">
+            <a:schemeClr val="lt1"/>
+          </a:fontRef>
+        </p:style>
+        <p:txBody>
+          <a:bodyPr rtlCol="0" anchor="ctr"/>
+          <a:lstStyle/>
+          <a:p>
+            <a:pPr algn="ctr"/>
+            <a:endParaRPr lang="zh-CN" altLang="en-US"/>
+          </a:p>
+        </p:txBody>
+      </p:sp>
+      <p:sp>
+        <p:nvSpPr>
+          <p:cNvPr id="21" name="矩形 20">
+            <a:extLst>
+              <a:ext uri="{FF2B5EF4-FFF2-40B4-BE49-F238E27FC236}">
+                <a16:creationId xmlns:a16="http://schemas.microsoft.com/office/drawing/2014/main" id="{8F65CD2D-73B9-4A9C-B1F4-A533F764EB85}"/>
+              </a:ext>
+            </a:extLst>
+          </p:cNvPr>
+          <p:cNvSpPr/>
+          <p:nvPr/>
+        </p:nvSpPr>
+        <p:spPr>
+          <a:xfrm>
+            <a:off x="3920096" y="2828096"/>
+            <a:ext cx="1553428" cy="369332"/>
+          </a:xfrm>
+          <a:prstGeom prst="rect">
+            <a:avLst/>
+          </a:prstGeom>
+          <a:solidFill>
+            <a:schemeClr val="bg1">
+              <a:lumMod val="65000"/>
+            </a:schemeClr>
+          </a:solidFill>
+          <a:ln>
+            <a:noFill/>
+          </a:ln>
+        </p:spPr>
+        <p:style>
+          <a:lnRef idx="2">
+            <a:schemeClr val="accent1">
+              <a:shade val="50000"/>
+            </a:schemeClr>
+          </a:lnRef>
+          <a:fillRef idx="1">
+            <a:schemeClr val="accent1"/>
+          </a:fillRef>
+          <a:effectRef idx="0">
+            <a:schemeClr val="accent1"/>
+          </a:effectRef>
+          <a:fontRef idx="minor">
+            <a:schemeClr val="lt1"/>
+          </a:fontRef>
+        </p:style>
+        <p:txBody>
+          <a:bodyPr rtlCol="0" anchor="ctr"/>
+          <a:lstStyle/>
+          <a:p>
+            <a:pPr algn="ctr"/>
+            <a:endParaRPr lang="zh-CN" altLang="en-US"/>
+          </a:p>
+        </p:txBody>
+      </p:sp>
+      <p:sp>
+        <p:nvSpPr>
+          <p:cNvPr id="22" name="文本框 21">
+            <a:extLst>
+              <a:ext uri="{FF2B5EF4-FFF2-40B4-BE49-F238E27FC236}">
+                <a16:creationId xmlns:a16="http://schemas.microsoft.com/office/drawing/2014/main" id="{B41416AC-6EA1-4436-B989-ADCDEA68F5A6}"/>
+              </a:ext>
+            </a:extLst>
+          </p:cNvPr>
+          <p:cNvSpPr txBox="1"/>
+          <p:nvPr/>
+        </p:nvSpPr>
+        <p:spPr>
+          <a:xfrm>
+            <a:off x="3530072" y="2881734"/>
+            <a:ext cx="352982" cy="369332"/>
+          </a:xfrm>
+          <a:prstGeom prst="rect">
+            <a:avLst/>
+          </a:prstGeom>
+          <a:solidFill>
+            <a:schemeClr val="accent6">
+              <a:lumMod val="20000"/>
+              <a:lumOff val="80000"/>
+            </a:schemeClr>
+          </a:solidFill>
+          <a:ln>
+            <a:noFill/>
+          </a:ln>
+        </p:spPr>
+        <p:txBody>
+          <a:bodyPr wrap="square" rtlCol="0">
+            <a:spAutoFit/>
+          </a:bodyPr>
+          <a:lstStyle>
+            <a:defPPr>
+              <a:defRPr lang="zh-CN"/>
+            </a:defPPr>
+          </a:lstStyle>
+          <a:p>
+            <a:r>
+              <a:rPr lang="en-US" altLang="zh-CN" dirty="0"/>
+              <a:t>1</a:t>
+            </a:r>
+            <a:endParaRPr lang="zh-CN" altLang="en-US" dirty="0"/>
+          </a:p>
+        </p:txBody>
+      </p:sp>
+      <p:sp>
+        <p:nvSpPr>
+          <p:cNvPr id="23" name="文本框 22">
+            <a:extLst>
+              <a:ext uri="{FF2B5EF4-FFF2-40B4-BE49-F238E27FC236}">
+                <a16:creationId xmlns:a16="http://schemas.microsoft.com/office/drawing/2014/main" id="{E38E0DA6-3979-4004-BE40-F013958F6C92}"/>
+              </a:ext>
+            </a:extLst>
+          </p:cNvPr>
+          <p:cNvSpPr txBox="1"/>
+          <p:nvPr/>
+        </p:nvSpPr>
+        <p:spPr>
+          <a:xfrm>
+            <a:off x="4318697" y="2844032"/>
+            <a:ext cx="756225" cy="369332"/>
+          </a:xfrm>
+          <a:prstGeom prst="rect">
+            <a:avLst/>
+          </a:prstGeom>
+          <a:solidFill>
+            <a:schemeClr val="accent6">
+              <a:lumMod val="20000"/>
+              <a:lumOff val="80000"/>
+            </a:schemeClr>
+          </a:solidFill>
+          <a:ln>
+            <a:noFill/>
+          </a:ln>
+        </p:spPr>
+        <p:txBody>
+          <a:bodyPr wrap="square" rtlCol="0">
+            <a:spAutoFit/>
+          </a:bodyPr>
+          <a:lstStyle>
+            <a:defPPr>
+              <a:defRPr lang="zh-CN"/>
+            </a:defPPr>
+          </a:lstStyle>
+          <a:p>
+            <a:r>
+              <a:rPr lang="en-US" altLang="zh-CN" dirty="0"/>
+              <a:t>1024</a:t>
+            </a:r>
+            <a:endParaRPr lang="zh-CN" altLang="en-US" dirty="0"/>
+          </a:p>
+        </p:txBody>
+      </p:sp>
+      <p:sp>
+        <p:nvSpPr>
+          <p:cNvPr id="24" name="文本框 23">
+            <a:extLst>
+              <a:ext uri="{FF2B5EF4-FFF2-40B4-BE49-F238E27FC236}">
+                <a16:creationId xmlns:a16="http://schemas.microsoft.com/office/drawing/2014/main" id="{2CB594A9-9E4A-499F-B506-466D1402A5EC}"/>
+              </a:ext>
+            </a:extLst>
+          </p:cNvPr>
+          <p:cNvSpPr txBox="1"/>
+          <p:nvPr/>
+        </p:nvSpPr>
+        <p:spPr>
+          <a:xfrm rot="18713932">
+            <a:off x="4879635" y="2000226"/>
+            <a:ext cx="508473" cy="369332"/>
+          </a:xfrm>
+          <a:prstGeom prst="rect">
+            <a:avLst/>
+          </a:prstGeom>
+          <a:noFill/>
+        </p:spPr>
+        <p:txBody>
+          <a:bodyPr wrap="none" rtlCol="0">
+            <a:spAutoFit/>
+          </a:bodyPr>
+          <a:lstStyle/>
+          <a:p>
+            <a:r>
+              <a:rPr lang="en-US" altLang="zh-CN" dirty="0"/>
+              <a:t>……</a:t>
+            </a:r>
+            <a:endParaRPr lang="zh-CN" altLang="en-US" dirty="0"/>
+          </a:p>
+        </p:txBody>
+      </p:sp>
+      <p:sp>
+        <p:nvSpPr>
+          <p:cNvPr id="25" name="文本框 24">
+            <a:extLst>
+              <a:ext uri="{FF2B5EF4-FFF2-40B4-BE49-F238E27FC236}">
+                <a16:creationId xmlns:a16="http://schemas.microsoft.com/office/drawing/2014/main" id="{FC380D7D-107E-4ABA-B832-CF7EE9B7B280}"/>
+              </a:ext>
+            </a:extLst>
+          </p:cNvPr>
+          <p:cNvSpPr txBox="1"/>
+          <p:nvPr/>
+        </p:nvSpPr>
+        <p:spPr>
+          <a:xfrm>
+            <a:off x="5153981" y="1632349"/>
+            <a:ext cx="312906" cy="369332"/>
+          </a:xfrm>
+          <a:prstGeom prst="rect">
+            <a:avLst/>
+          </a:prstGeom>
+          <a:solidFill>
+            <a:schemeClr val="accent6">
+              <a:lumMod val="20000"/>
+              <a:lumOff val="80000"/>
+            </a:schemeClr>
+          </a:solidFill>
+          <a:ln>
+            <a:noFill/>
+          </a:ln>
+        </p:spPr>
+        <p:txBody>
+          <a:bodyPr wrap="square" rtlCol="0">
+            <a:spAutoFit/>
+          </a:bodyPr>
+          <a:lstStyle/>
+          <a:p>
+            <a:r>
+              <a:rPr lang="en-US" altLang="zh-CN" dirty="0"/>
+              <a:t>B</a:t>
+            </a:r>
+            <a:endParaRPr lang="zh-CN" altLang="en-US" dirty="0"/>
+          </a:p>
+        </p:txBody>
+      </p:sp>
+    </p:spTree>
+    <p:extLst>
+      <p:ext uri="{BB962C8B-B14F-4D97-AF65-F5344CB8AC3E}">
+        <p14:creationId xmlns:p14="http://schemas.microsoft.com/office/powerpoint/2010/main" val="4126383750"/>
       </p:ext>
     </p:extLst>
   </p:cSld>
